--- a/06.Closed Systems.pptx
+++ b/06.Closed Systems.pptx
@@ -9348,7 +9348,7 @@
             <p:nvPr/>
           </p:nvPicPr>
           <p:blipFill>
-            <a:blip r:embed="rId4"/>
+            <a:blip r:embed="rId3"/>
             <a:srcRect/>
             <a:stretch>
               <a:fillRect/>
@@ -9380,7 +9380,7 @@
             <p:nvPr/>
           </p:nvPicPr>
           <p:blipFill>
-            <a:blip r:embed="rId5"/>
+            <a:blip r:embed="rId4"/>
             <a:srcRect/>
             <a:stretch>
               <a:fillRect/>
@@ -9412,7 +9412,7 @@
             <p:nvPr/>
           </p:nvPicPr>
           <p:blipFill>
-            <a:blip r:embed="rId6"/>
+            <a:blip r:embed="rId5"/>
             <a:srcRect/>
             <a:stretch>
               <a:fillRect/>
@@ -9444,7 +9444,7 @@
             <p:nvPr/>
           </p:nvPicPr>
           <p:blipFill>
-            <a:blip r:embed="rId7"/>
+            <a:blip r:embed="rId6"/>
             <a:srcRect/>
             <a:stretch>
               <a:fillRect/>
@@ -9476,7 +9476,7 @@
             <p:nvPr/>
           </p:nvPicPr>
           <p:blipFill>
-            <a:blip r:embed="rId8"/>
+            <a:blip r:embed="rId7"/>
             <a:srcRect/>
             <a:stretch>
               <a:fillRect/>
@@ -9568,12 +9568,12 @@
             <a:graphicData uri="http://schemas.openxmlformats.org/presentationml/2006/ole">
               <mc:AlternateContent xmlns:mc="http://schemas.openxmlformats.org/markup-compatibility/2006">
                 <mc:Choice xmlns:v="urn:schemas-microsoft-com:vml" Requires="v">
-                  <p:oleObj spid="_x0000_s1085" name="Equation" r:id="rId9" imgW="952200" imgH="228600" progId="Equation.3">
+                  <p:oleObj name="Equation" r:id="rId8" imgW="952200" imgH="228600" progId="Equation.3">
                     <p:embed/>
                   </p:oleObj>
                 </mc:Choice>
                 <mc:Fallback>
-                  <p:oleObj name="Equation" r:id="rId9" imgW="952200" imgH="228600" progId="Equation.3">
+                  <p:oleObj name="Equation" r:id="rId8" imgW="952200" imgH="228600" progId="Equation.3">
                     <p:embed/>
                     <p:pic>
                       <p:nvPicPr>
@@ -9584,7 +9584,7 @@
                         <p:nvPr/>
                       </p:nvPicPr>
                       <p:blipFill>
-                        <a:blip r:embed="rId10">
+                        <a:blip r:embed="rId9">
                           <a:extLst>
                             <a:ext uri="{28A0092B-C50C-407E-A947-70E740481C1C}">
                               <a14:useLocalDpi xmlns:a14="http://schemas.microsoft.com/office/drawing/2010/main" val="0"/>
@@ -9806,7 +9806,7 @@
           <p:nvPr/>
         </p:nvPicPr>
         <p:blipFill>
-          <a:blip r:embed="rId11"/>
+          <a:blip r:embed="rId10"/>
           <a:srcRect/>
           <a:stretch>
             <a:fillRect/>
@@ -9838,7 +9838,7 @@
           <p:nvPr/>
         </p:nvPicPr>
         <p:blipFill>
-          <a:blip r:embed="rId12"/>
+          <a:blip r:embed="rId11"/>
           <a:srcRect/>
           <a:stretch>
             <a:fillRect/>
@@ -9870,7 +9870,7 @@
           <p:nvPr/>
         </p:nvPicPr>
         <p:blipFill>
-          <a:blip r:embed="rId13"/>
+          <a:blip r:embed="rId12"/>
           <a:srcRect/>
           <a:stretch>
             <a:fillRect/>
